--- a/22075765.pptx
+++ b/22075765.pptx
@@ -104,6 +104,22 @@
       </a:defRPr>
     </a:lvl9pPr>
   </p:defaultTextStyle>
+  <p:extLst>
+    <p:ext uri="{EFAFB233-063F-42B5-8137-9DF3F51BA10A}">
+      <p15:sldGuideLst xmlns:p15="http://schemas.microsoft.com/office/powerpoint/2012/main">
+        <p15:guide id="1" orient="horz" pos="9537">
+          <p15:clr>
+            <a:srgbClr val="A4A3A4"/>
+          </p15:clr>
+        </p15:guide>
+        <p15:guide id="2" pos="13472">
+          <p15:clr>
+            <a:srgbClr val="A4A3A4"/>
+          </p15:clr>
+        </p15:guide>
+      </p15:sldGuideLst>
+    </p:ext>
+  </p:extLst>
 </p:presentation>
 </file>
 
@@ -3132,24 +3148,12 @@
               <a:rPr lang="en-US" sz="4000" dirty="0" smtClean="0"/>
               <a:t>Hari Bahadur Gharti Magar</a:t>
             </a:r>
-            <a:r>
-              <a:rPr lang="en-US" sz="4000" dirty="0" smtClean="0"/>
-              <a:t/>
-            </a:r>
             <a:br>
               <a:rPr lang="en-US" sz="4000" dirty="0" smtClean="0"/>
             </a:br>
             <a:r>
               <a:rPr lang="en-US" sz="4000" dirty="0" smtClean="0"/>
-              <a:t>Student ID- </a:t>
-            </a:r>
-            <a:r>
-              <a:rPr lang="en-US" sz="4000" dirty="0" smtClean="0"/>
-              <a:t>22075765</a:t>
-            </a:r>
-            <a:r>
-              <a:rPr lang="en-US" sz="4000" dirty="0" smtClean="0"/>
-              <a:t/>
+              <a:t>Student ID- 22075765</a:t>
             </a:r>
             <a:br>
               <a:rPr lang="en-US" sz="4000" dirty="0" smtClean="0"/>
@@ -3899,8 +3903,8 @@
         </p:blipFill>
         <p:spPr bwMode="auto">
           <a:xfrm>
-            <a:off x="2160664" y="12911776"/>
-            <a:ext cx="13105456" cy="8924955"/>
+            <a:off x="3456808" y="13180293"/>
+            <a:ext cx="8712968" cy="5933624"/>
           </a:xfrm>
           <a:prstGeom prst="rect">
             <a:avLst/>
@@ -4007,8 +4011,8 @@
         </p:blipFill>
         <p:spPr bwMode="auto">
           <a:xfrm>
-            <a:off x="15269304" y="15644043"/>
-            <a:ext cx="11953328" cy="6984776"/>
+            <a:off x="16130216" y="16261130"/>
+            <a:ext cx="10897281" cy="6367688"/>
           </a:xfrm>
           <a:prstGeom prst="rect">
             <a:avLst/>
